--- a/data/presentation.pptx
+++ b/data/presentation.pptx
@@ -3088,7 +3088,7 @@
     <p:bg>
       <p:bgPr>
         <a:solidFill>
-          <a:srgbClr val="01214A"/>
+          <a:srgbClr val="FFFFFF"/>
         </a:solidFill>
         <a:effectLst/>
       </p:bgPr>
@@ -3118,12 +3118,12 @@
             <a:pPr>
               <a:defRPr sz="3600">
                 <a:solidFill>
-                  <a:srgbClr val="FFFFFF"/>
+                  <a:srgbClr val="000000"/>
                 </a:solidFill>
               </a:defRPr>
             </a:pPr>
             <a:r>
-              <a:t>Understanding Rahmatan Lil Alamin: A Divine Embrace</a:t>
+              <a:t>A Tapestry of Cultures: What Makes Indonesia Unique?</a:t>
             </a:r>
           </a:p>
         </p:txBody>
@@ -3146,36 +3146,60 @@
             <a:pPr>
               <a:defRPr sz="2000">
                 <a:solidFill>
-                  <a:srgbClr val="FFFFFF"/>
+                  <a:srgbClr val="000000"/>
                 </a:solidFill>
               </a:defRPr>
             </a:pPr>
             <a:r>
-              <a:t>Unpacking the concept of Rahmatan Lil Alamin: mercy for all of creation.</a:t>
+              <a:t>Indonesia is home to over 300 ethnic groups, each with their own distinct language and traditions.</a:t>
             </a:r>
           </a:p>
           <a:p>
             <a:pPr>
               <a:defRPr sz="2000">
                 <a:solidFill>
-                  <a:srgbClr val="FFFFFF"/>
+                  <a:srgbClr val="000000"/>
                 </a:solidFill>
               </a:defRPr>
             </a:pPr>
             <a:r>
-              <a:t>How this principle shapes interactions in a diverse and global society.</a:t>
+              <a:t>From the vibrant Balinese ceremonies to the remote tribes of Papua, the cultural diversity is boundless.</a:t>
             </a:r>
           </a:p>
           <a:p>
             <a:pPr>
               <a:defRPr sz="2000">
                 <a:solidFill>
-                  <a:srgbClr val="FFFFFF"/>
+                  <a:srgbClr val="000000"/>
                 </a:solidFill>
               </a:defRPr>
             </a:pPr>
             <a:r>
-              <a:t>Exploring Quranic verses that emphasize compassion and kindness.</a:t>
+              <a:t>Food varies dramatically across the archipelago, with flavors that tell stories of different regions.</a:t>
+            </a:r>
+          </a:p>
+          <a:p>
+            <a:pPr>
+              <a:defRPr sz="2000">
+                <a:solidFill>
+                  <a:srgbClr val="000000"/>
+                </a:solidFill>
+              </a:defRPr>
+            </a:pPr>
+            <a:r>
+              <a:t>Traditional clothing showcases intricate patterns that reflect the seasonal changes and local beliefs.</a:t>
+            </a:r>
+          </a:p>
+          <a:p>
+            <a:pPr>
+              <a:defRPr sz="2000">
+                <a:solidFill>
+                  <a:srgbClr val="000000"/>
+                </a:solidFill>
+              </a:defRPr>
+            </a:pPr>
+            <a:r>
+              <a:t>Festivals here are a kaleidoscope of colors, music, and dance that invite everyone to join in the celebration.</a:t>
             </a:r>
           </a:p>
         </p:txBody>
@@ -3194,7 +3218,7 @@
     <p:bg>
       <p:bgPr>
         <a:solidFill>
-          <a:srgbClr val="01214A"/>
+          <a:srgbClr val="FFFFFF"/>
         </a:solidFill>
         <a:effectLst/>
       </p:bgPr>
@@ -3224,12 +3248,12 @@
             <a:pPr>
               <a:defRPr sz="3600">
                 <a:solidFill>
-                  <a:srgbClr val="FFFFFF"/>
+                  <a:srgbClr val="000000"/>
                 </a:solidFill>
               </a:defRPr>
             </a:pPr>
             <a:r>
-              <a:t>The Role of Compassion in Islamic Teachings</a:t>
+              <a:t>Nature's Masterpiece: Indonesia's Breathtaking Landscapes</a:t>
             </a:r>
           </a:p>
         </p:txBody>
@@ -3252,36 +3276,60 @@
             <a:pPr>
               <a:defRPr sz="2000">
                 <a:solidFill>
-                  <a:srgbClr val="FFFFFF"/>
+                  <a:srgbClr val="000000"/>
                 </a:solidFill>
               </a:defRPr>
             </a:pPr>
             <a:r>
-              <a:t>Mercy as a foundational pillar: Insights from Prophet Muhammad's life.</a:t>
+              <a:t>Comprising 17,000 islands, Indonesia boasts both serene beaches and rugged mountains.</a:t>
             </a:r>
           </a:p>
           <a:p>
             <a:pPr>
               <a:defRPr sz="2000">
                 <a:solidFill>
-                  <a:srgbClr val="FFFFFF"/>
+                  <a:srgbClr val="000000"/>
                 </a:solidFill>
               </a:defRPr>
             </a:pPr>
             <a:r>
-              <a:t>Cultivating empathy: The importance of understanding others' experiences.</a:t>
+              <a:t>It's home to the world’s largest volcanic archipelago, where eruptions have birthed stunning vistas.</a:t>
             </a:r>
           </a:p>
           <a:p>
             <a:pPr>
               <a:defRPr sz="2000">
                 <a:solidFill>
-                  <a:srgbClr val="FFFFFF"/>
+                  <a:srgbClr val="000000"/>
                 </a:solidFill>
               </a:defRPr>
             </a:pPr>
             <a:r>
-              <a:t>Examples of mercy in action: Stories from Islamic history that inspire.</a:t>
+              <a:t>Diverse ecosystems range from tropical rainforests to coral reefs teeming with marine life.</a:t>
+            </a:r>
+          </a:p>
+          <a:p>
+            <a:pPr>
+              <a:defRPr sz="2000">
+                <a:solidFill>
+                  <a:srgbClr val="000000"/>
+                </a:solidFill>
+              </a:defRPr>
+            </a:pPr>
+            <a:r>
+              <a:t>Endangered species like the orangutan and komodo dragon roam in their natural habitats.</a:t>
+            </a:r>
+          </a:p>
+          <a:p>
+            <a:pPr>
+              <a:defRPr sz="2000">
+                <a:solidFill>
+                  <a:srgbClr val="000000"/>
+                </a:solidFill>
+              </a:defRPr>
+            </a:pPr>
+            <a:r>
+              <a:t>Each region offers unique natural wonders, from the pink beaches of Komodo to the Rice Terraces of Bali.</a:t>
             </a:r>
           </a:p>
         </p:txBody>
@@ -3300,7 +3348,7 @@
     <p:bg>
       <p:bgPr>
         <a:solidFill>
-          <a:srgbClr val="01214A"/>
+          <a:srgbClr val="FFFFFF"/>
         </a:solidFill>
         <a:effectLst/>
       </p:bgPr>
@@ -3330,12 +3378,12 @@
             <a:pPr>
               <a:defRPr sz="3600">
                 <a:solidFill>
-                  <a:srgbClr val="FFFFFF"/>
+                  <a:srgbClr val="000000"/>
                 </a:solidFill>
               </a:defRPr>
             </a:pPr>
             <a:r>
-              <a:t>Rahmatan Lil Alamin in Today’s World: A Guide for Action</a:t>
+              <a:t>Adventure Awaits: Unforgettable Activities in Indonesia</a:t>
             </a:r>
           </a:p>
         </p:txBody>
@@ -3358,36 +3406,60 @@
             <a:pPr>
               <a:defRPr sz="2000">
                 <a:solidFill>
-                  <a:srgbClr val="FFFFFF"/>
+                  <a:srgbClr val="000000"/>
                 </a:solidFill>
               </a:defRPr>
             </a:pPr>
             <a:r>
-              <a:t>Responding to global challenges: Islam’s call for social justice and peace.</a:t>
+              <a:t>Surfing enthusiasts flock to Bali's world-class waves, while divers explore the mystical waters of Raja Ampat.</a:t>
             </a:r>
           </a:p>
           <a:p>
             <a:pPr>
               <a:defRPr sz="2000">
                 <a:solidFill>
-                  <a:srgbClr val="FFFFFF"/>
+                  <a:srgbClr val="000000"/>
                 </a:solidFill>
               </a:defRPr>
             </a:pPr>
             <a:r>
-              <a:t>Building bridges: Engaging in interfaith dialogue as an act of mercy.</a:t>
+              <a:t>Trekking adventures lead you through lush jungles to stunning waterfalls, inviting whispers of nature.</a:t>
             </a:r>
           </a:p>
           <a:p>
             <a:pPr>
               <a:defRPr sz="2000">
                 <a:solidFill>
-                  <a:srgbClr val="FFFFFF"/>
+                  <a:srgbClr val="000000"/>
                 </a:solidFill>
               </a:defRPr>
             </a:pPr>
             <a:r>
-              <a:t>Personal responsibility: How everyday actions can reflect Rahmatan Lil Alamin.</a:t>
+              <a:t>The rich underwater world challenges snorkelers and divers alike with unmatched biodiversity.</a:t>
+            </a:r>
+          </a:p>
+          <a:p>
+            <a:pPr>
+              <a:defRPr sz="2000">
+                <a:solidFill>
+                  <a:srgbClr val="000000"/>
+                </a:solidFill>
+              </a:defRPr>
+            </a:pPr>
+            <a:r>
+              <a:t>Cultural immersion experiences reveal the rich heritage — from village stays to cooking classes.</a:t>
+            </a:r>
+          </a:p>
+          <a:p>
+            <a:pPr>
+              <a:defRPr sz="2000">
+                <a:solidFill>
+                  <a:srgbClr val="000000"/>
+                </a:solidFill>
+              </a:defRPr>
+            </a:pPr>
+            <a:r>
+              <a:t>For spiritual seekers, the allure of yoga retreats in Ubud nurtures both body and soul.</a:t>
             </a:r>
           </a:p>
         </p:txBody>
@@ -3406,7 +3478,7 @@
     <p:bg>
       <p:bgPr>
         <a:solidFill>
-          <a:srgbClr val="01214A"/>
+          <a:srgbClr val="FFFFFF"/>
         </a:solidFill>
         <a:effectLst/>
       </p:bgPr>
@@ -3436,12 +3508,12 @@
             <a:pPr>
               <a:defRPr sz="3600">
                 <a:solidFill>
-                  <a:srgbClr val="FFFFFF"/>
+                  <a:srgbClr val="000000"/>
                 </a:solidFill>
               </a:defRPr>
             </a:pPr>
             <a:r>
-              <a:t>Facing Challenges: Obstacles to Mercy in Society</a:t>
+              <a:t>Connected Through Faith: Spiritual and Historical Treasures</a:t>
             </a:r>
           </a:p>
         </p:txBody>
@@ -3464,36 +3536,60 @@
             <a:pPr>
               <a:defRPr sz="2000">
                 <a:solidFill>
-                  <a:srgbClr val="FFFFFF"/>
+                  <a:srgbClr val="000000"/>
                 </a:solidFill>
               </a:defRPr>
             </a:pPr>
             <a:r>
-              <a:t>The clash of values: How misunderstandings of Islam can hinder compassion.</a:t>
+              <a:t>Indonesia is often dubbed the 'Land of a Thousand Temples,' with breathtaking sites like Borobudur and Prambanan.</a:t>
             </a:r>
           </a:p>
           <a:p>
             <a:pPr>
               <a:defRPr sz="2000">
                 <a:solidFill>
-                  <a:srgbClr val="FFFFFF"/>
+                  <a:srgbClr val="000000"/>
                 </a:solidFill>
               </a:defRPr>
             </a:pPr>
             <a:r>
-              <a:t>Addressing prejudices: The role of education in promoting a merciful worldview.</a:t>
+              <a:t>The melding of Hindu, Buddhist, and Islamic influences creates a unique tapestry of spirituality.</a:t>
             </a:r>
           </a:p>
           <a:p>
             <a:pPr>
               <a:defRPr sz="2000">
                 <a:solidFill>
-                  <a:srgbClr val="FFFFFF"/>
+                  <a:srgbClr val="000000"/>
                 </a:solidFill>
               </a:defRPr>
             </a:pPr>
             <a:r>
-              <a:t>Tackling internal conflicts: Finding mercy within ourselves amidst adversity.</a:t>
+              <a:t>Many local beliefs, such as animism, coexist harmoniously with major religions.</a:t>
+            </a:r>
+          </a:p>
+          <a:p>
+            <a:pPr>
+              <a:defRPr sz="2000">
+                <a:solidFill>
+                  <a:srgbClr val="000000"/>
+                </a:solidFill>
+              </a:defRPr>
+            </a:pPr>
+            <a:r>
+              <a:t>Historical landmarks narrate tales of ancient kingdoms and colonial pasts, shaping modern Indonesian identity.</a:t>
+            </a:r>
+          </a:p>
+          <a:p>
+            <a:pPr>
+              <a:defRPr sz="2000">
+                <a:solidFill>
+                  <a:srgbClr val="000000"/>
+                </a:solidFill>
+              </a:defRPr>
+            </a:pPr>
+            <a:r>
+              <a:t>The spiritual journey here is as diverse as its landscapes, inviting deeper reflections.</a:t>
             </a:r>
           </a:p>
         </p:txBody>
@@ -3512,7 +3608,7 @@
     <p:bg>
       <p:bgPr>
         <a:solidFill>
-          <a:srgbClr val="01214A"/>
+          <a:srgbClr val="FFFFFF"/>
         </a:solidFill>
         <a:effectLst/>
       </p:bgPr>
@@ -3542,12 +3638,12 @@
             <a:pPr>
               <a:defRPr sz="3600">
                 <a:solidFill>
-                  <a:srgbClr val="FFFFFF"/>
+                  <a:srgbClr val="000000"/>
                 </a:solidFill>
               </a:defRPr>
             </a:pPr>
             <a:r>
-              <a:t>The Future of Rahmatan Lil Alamin: Vision and Hope</a:t>
+              <a:t>Conservation Challenges: Preserving Indonesia’s Natural Wonders</a:t>
             </a:r>
           </a:p>
         </p:txBody>
@@ -3570,36 +3666,60 @@
             <a:pPr>
               <a:defRPr sz="2000">
                 <a:solidFill>
-                  <a:srgbClr val="FFFFFF"/>
+                  <a:srgbClr val="000000"/>
                 </a:solidFill>
               </a:defRPr>
             </a:pPr>
             <a:r>
-              <a:t>Imagining a world where mercy transcends borders and beliefs.</a:t>
+              <a:t>Indonesia faces critical issues like deforestation, endangering its unique biodiversity and indigenous communities.</a:t>
             </a:r>
           </a:p>
           <a:p>
             <a:pPr>
               <a:defRPr sz="2000">
                 <a:solidFill>
-                  <a:srgbClr val="FFFFFF"/>
+                  <a:srgbClr val="000000"/>
                 </a:solidFill>
               </a:defRPr>
             </a:pPr>
             <a:r>
-              <a:t>The potential of youth: Empowering the next generation to embody Rahmatan Lil Alamin.</a:t>
+              <a:t>Efforts to protect the unique marine ecosystems are underway, yet coral reefs remain at risk.</a:t>
             </a:r>
           </a:p>
           <a:p>
             <a:pPr>
               <a:defRPr sz="2000">
                 <a:solidFill>
-                  <a:srgbClr val="FFFFFF"/>
+                  <a:srgbClr val="000000"/>
                 </a:solidFill>
               </a:defRPr>
             </a:pPr>
             <a:r>
-              <a:t>Creating sustainable communities: Mercy as a catalyst for collaborative change.</a:t>
+              <a:t>Community-based conservation strategies are empowering locals to protect their resources effectively.</a:t>
+            </a:r>
+          </a:p>
+          <a:p>
+            <a:pPr>
+              <a:defRPr sz="2000">
+                <a:solidFill>
+                  <a:srgbClr val="000000"/>
+                </a:solidFill>
+              </a:defRPr>
+            </a:pPr>
+            <a:r>
+              <a:t>International collaborations are vital in promoting sustainable tourism and ecological restoration.</a:t>
+            </a:r>
+          </a:p>
+          <a:p>
+            <a:pPr>
+              <a:defRPr sz="2000">
+                <a:solidFill>
+                  <a:srgbClr val="000000"/>
+                </a:solidFill>
+              </a:defRPr>
+            </a:pPr>
+            <a:r>
+              <a:t>Understanding and addressing these challenges can help ensure a thriving future for Indonesia's wonders.</a:t>
             </a:r>
           </a:p>
         </p:txBody>
